--- a/GA1-220501093-AA1-EV01-EV02-EV03-EV04/GA1-220501093-AA1-EV01-EV02-EV03-EV04.pptx
+++ b/GA1-220501093-AA1-EV01-EV02-EV03-EV04/GA1-220501093-AA1-EV01-EV02-EV03-EV04.pptx
@@ -5,22 +5,23 @@
     <p:sldMasterId id="2147483648" r:id="rId1"/>
   </p:sldMasterIdLst>
   <p:notesMasterIdLst>
-    <p:notesMasterId r:id="rId12"/>
+    <p:notesMasterId r:id="rId13"/>
   </p:notesMasterIdLst>
   <p:handoutMasterIdLst>
-    <p:handoutMasterId r:id="rId13"/>
+    <p:handoutMasterId r:id="rId14"/>
   </p:handoutMasterIdLst>
   <p:sldIdLst>
     <p:sldId id="538" r:id="rId2"/>
     <p:sldId id="535" r:id="rId3"/>
     <p:sldId id="593" r:id="rId4"/>
     <p:sldId id="602" r:id="rId5"/>
-    <p:sldId id="577" r:id="rId6"/>
-    <p:sldId id="603" r:id="rId7"/>
-    <p:sldId id="604" r:id="rId8"/>
-    <p:sldId id="605" r:id="rId9"/>
-    <p:sldId id="606" r:id="rId10"/>
-    <p:sldId id="531" r:id="rId11"/>
+    <p:sldId id="607" r:id="rId6"/>
+    <p:sldId id="577" r:id="rId7"/>
+    <p:sldId id="603" r:id="rId8"/>
+    <p:sldId id="604" r:id="rId9"/>
+    <p:sldId id="605" r:id="rId10"/>
+    <p:sldId id="606" r:id="rId11"/>
+    <p:sldId id="531" r:id="rId12"/>
   </p:sldIdLst>
   <p:sldSz cx="12192000" cy="6858000"/>
   <p:notesSz cx="6858000" cy="9144000"/>
@@ -240,7 +241,7 @@
           <a:p>
             <a:fld id="{88369B9F-131C-2846-AB8F-CEE154B4CAEB}" type="datetimeFigureOut">
               <a:rPr lang="es-CO" smtClean="0"/>
-              <a:t>3/09/2025</a:t>
+              <a:t>11/09/2025</a:t>
             </a:fld>
             <a:endParaRPr lang="es-CO"/>
           </a:p>
@@ -417,7 +418,7 @@
           <a:p>
             <a:fld id="{9660CB96-A603-FF42-AE46-F5F75F80A67B}" type="datetimeFigureOut">
               <a:rPr lang="es-CO" smtClean="0"/>
-              <a:t>3/09/2025</a:t>
+              <a:t>11/09/2025</a:t>
             </a:fld>
             <a:endParaRPr lang="es-CO"/>
           </a:p>
@@ -834,7 +835,7 @@
           <a:p>
             <a:fld id="{BD986248-06F7-A441-A47A-264EBD310E11}" type="datetimeFigureOut">
               <a:rPr lang="es-CO" smtClean="0"/>
-              <a:t>3/09/2025</a:t>
+              <a:t>11/09/2025</a:t>
             </a:fld>
             <a:endParaRPr lang="es-CO"/>
           </a:p>
@@ -1034,7 +1035,7 @@
           <a:p>
             <a:fld id="{BD986248-06F7-A441-A47A-264EBD310E11}" type="datetimeFigureOut">
               <a:rPr lang="es-CO" smtClean="0"/>
-              <a:t>3/09/2025</a:t>
+              <a:t>11/09/2025</a:t>
             </a:fld>
             <a:endParaRPr lang="es-CO"/>
           </a:p>
@@ -1244,7 +1245,7 @@
           <a:p>
             <a:fld id="{BD986248-06F7-A441-A47A-264EBD310E11}" type="datetimeFigureOut">
               <a:rPr lang="es-CO" smtClean="0"/>
-              <a:t>3/09/2025</a:t>
+              <a:t>11/09/2025</a:t>
             </a:fld>
             <a:endParaRPr lang="es-CO"/>
           </a:p>
@@ -1405,7 +1406,7 @@
           <a:p>
             <a:fld id="{BD986248-06F7-A441-A47A-264EBD310E11}" type="datetimeFigureOut">
               <a:rPr lang="es-CO" smtClean="0"/>
-              <a:t>3/09/2025</a:t>
+              <a:t>11/09/2025</a:t>
             </a:fld>
             <a:endParaRPr lang="es-CO"/>
           </a:p>
@@ -1605,7 +1606,7 @@
           <a:p>
             <a:fld id="{BD986248-06F7-A441-A47A-264EBD310E11}" type="datetimeFigureOut">
               <a:rPr lang="es-CO" smtClean="0"/>
-              <a:t>3/09/2025</a:t>
+              <a:t>11/09/2025</a:t>
             </a:fld>
             <a:endParaRPr lang="es-CO"/>
           </a:p>
@@ -1881,7 +1882,7 @@
           <a:p>
             <a:fld id="{BD986248-06F7-A441-A47A-264EBD310E11}" type="datetimeFigureOut">
               <a:rPr lang="es-CO" smtClean="0"/>
-              <a:t>3/09/2025</a:t>
+              <a:t>11/09/2025</a:t>
             </a:fld>
             <a:endParaRPr lang="es-CO"/>
           </a:p>
@@ -2149,7 +2150,7 @@
           <a:p>
             <a:fld id="{BD986248-06F7-A441-A47A-264EBD310E11}" type="datetimeFigureOut">
               <a:rPr lang="es-CO" smtClean="0"/>
-              <a:t>3/09/2025</a:t>
+              <a:t>11/09/2025</a:t>
             </a:fld>
             <a:endParaRPr lang="es-CO"/>
           </a:p>
@@ -2564,7 +2565,7 @@
           <a:p>
             <a:fld id="{BD986248-06F7-A441-A47A-264EBD310E11}" type="datetimeFigureOut">
               <a:rPr lang="es-CO" smtClean="0"/>
-              <a:t>3/09/2025</a:t>
+              <a:t>11/09/2025</a:t>
             </a:fld>
             <a:endParaRPr lang="es-CO"/>
           </a:p>
@@ -2706,7 +2707,7 @@
           <a:p>
             <a:fld id="{BD986248-06F7-A441-A47A-264EBD310E11}" type="datetimeFigureOut">
               <a:rPr lang="es-CO" smtClean="0"/>
-              <a:t>3/09/2025</a:t>
+              <a:t>11/09/2025</a:t>
             </a:fld>
             <a:endParaRPr lang="es-CO"/>
           </a:p>
@@ -2819,7 +2820,7 @@
           <a:p>
             <a:fld id="{BD986248-06F7-A441-A47A-264EBD310E11}" type="datetimeFigureOut">
               <a:rPr lang="es-CO" smtClean="0"/>
-              <a:t>3/09/2025</a:t>
+              <a:t>11/09/2025</a:t>
             </a:fld>
             <a:endParaRPr lang="es-CO"/>
           </a:p>
@@ -3148,7 +3149,7 @@
           <a:p>
             <a:fld id="{BD986248-06F7-A441-A47A-264EBD310E11}" type="datetimeFigureOut">
               <a:rPr lang="es-CO" smtClean="0"/>
-              <a:t>3/09/2025</a:t>
+              <a:t>11/09/2025</a:t>
             </a:fld>
             <a:endParaRPr lang="es-CO"/>
           </a:p>
@@ -3437,7 +3438,7 @@
           <a:p>
             <a:fld id="{BD986248-06F7-A441-A47A-264EBD310E11}" type="datetimeFigureOut">
               <a:rPr lang="es-CO" smtClean="0"/>
-              <a:t>3/09/2025</a:t>
+              <a:t>11/09/2025</a:t>
             </a:fld>
             <a:endParaRPr lang="es-CO"/>
           </a:p>
@@ -3680,7 +3681,7 @@
           <a:p>
             <a:fld id="{BD986248-06F7-A441-A47A-264EBD310E11}" type="datetimeFigureOut">
               <a:rPr lang="es-CO" smtClean="0"/>
-              <a:t>3/09/2025</a:t>
+              <a:t>11/09/2025</a:t>
             </a:fld>
             <a:endParaRPr lang="es-CO"/>
           </a:p>
@@ -4237,6 +4238,352 @@
           <a:chExt cx="0" cy="0"/>
         </a:xfrm>
       </p:grpSpPr>
+      <p:sp>
+        <p:nvSpPr>
+          <p:cNvPr id="3" name="Título 1">
+            <a:extLst>
+              <a:ext uri="{FF2B5EF4-FFF2-40B4-BE49-F238E27FC236}">
+                <a16:creationId xmlns:a16="http://schemas.microsoft.com/office/drawing/2014/main" id="{BB6F714C-A6B0-54AE-507A-D0700714D94B}"/>
+              </a:ext>
+            </a:extLst>
+          </p:cNvPr>
+          <p:cNvSpPr txBox="1">
+            <a:spLocks/>
+          </p:cNvSpPr>
+          <p:nvPr/>
+        </p:nvSpPr>
+        <p:spPr>
+          <a:xfrm>
+            <a:off x="456236" y="226259"/>
+            <a:ext cx="10569573" cy="527874"/>
+          </a:xfrm>
+          <a:prstGeom prst="rect">
+            <a:avLst/>
+          </a:prstGeom>
+        </p:spPr>
+        <p:txBody>
+          <a:bodyPr/>
+          <a:lstStyle>
+            <a:lvl1pPr algn="l" defTabSz="914400" rtl="0" eaLnBrk="1" latinLnBrk="0" hangingPunct="1">
+              <a:lnSpc>
+                <a:spcPct val="90000"/>
+              </a:lnSpc>
+              <a:spcBef>
+                <a:spcPct val="0"/>
+              </a:spcBef>
+              <a:buNone/>
+              <a:defRPr sz="4400" kern="1200">
+                <a:solidFill>
+                  <a:schemeClr val="tx1"/>
+                </a:solidFill>
+                <a:latin typeface="+mj-lt"/>
+                <a:ea typeface="+mj-ea"/>
+                <a:cs typeface="+mj-cs"/>
+              </a:defRPr>
+            </a:lvl1pPr>
+          </a:lstStyle>
+          <a:p>
+            <a:pPr algn="just">
+              <a:lnSpc>
+                <a:spcPct val="150000"/>
+              </a:lnSpc>
+            </a:pPr>
+            <a:r>
+              <a:rPr lang="es-CO" sz="1800" b="1" dirty="0">
+                <a:solidFill>
+                  <a:schemeClr val="bg1"/>
+                </a:solidFill>
+                <a:latin typeface="Work Sans Light" pitchFamily="2" charset="77"/>
+              </a:rPr>
+              <a:t>4. Evidencia de producto: </a:t>
+            </a:r>
+            <a:r>
+              <a:rPr lang="es-ES" sz="1800" b="1" dirty="0">
+                <a:solidFill>
+                  <a:schemeClr val="bg1"/>
+                </a:solidFill>
+                <a:latin typeface="Work Sans Light" pitchFamily="2" charset="77"/>
+              </a:rPr>
+              <a:t>GA1-220501093-AA1-EV04 documento identificando la metodología para el proyecto de desarrollo de software</a:t>
+            </a:r>
+          </a:p>
+        </p:txBody>
+      </p:sp>
+      <p:sp>
+        <p:nvSpPr>
+          <p:cNvPr id="2" name="CuadroTexto 1">
+            <a:extLst>
+              <a:ext uri="{FF2B5EF4-FFF2-40B4-BE49-F238E27FC236}">
+                <a16:creationId xmlns:a16="http://schemas.microsoft.com/office/drawing/2014/main" id="{05C91B34-A9AF-EE63-68C6-548DAAE8E80E}"/>
+              </a:ext>
+            </a:extLst>
+          </p:cNvPr>
+          <p:cNvSpPr txBox="1"/>
+          <p:nvPr/>
+        </p:nvSpPr>
+        <p:spPr>
+          <a:xfrm>
+            <a:off x="456236" y="1231750"/>
+            <a:ext cx="11192425" cy="5665397"/>
+          </a:xfrm>
+          <a:prstGeom prst="rect">
+            <a:avLst/>
+          </a:prstGeom>
+          <a:noFill/>
+        </p:spPr>
+        <p:txBody>
+          <a:bodyPr wrap="square">
+            <a:spAutoFit/>
+          </a:bodyPr>
+          <a:lstStyle/>
+          <a:p>
+            <a:pPr algn="just">
+              <a:lnSpc>
+                <a:spcPct val="150000"/>
+              </a:lnSpc>
+            </a:pPr>
+            <a:r>
+              <a:rPr lang="es-ES" sz="1500" dirty="0">
+                <a:latin typeface="Work Sans Light" pitchFamily="2" charset="77"/>
+              </a:rPr>
+              <a:t>Teniendo en cuenta la información recopilada y la idea de proyecto seleccionado realizar un informe donde se describa y justifique la metodología de desarrollo de software a utilizar.</a:t>
+            </a:r>
+          </a:p>
+          <a:p>
+            <a:pPr algn="just">
+              <a:lnSpc>
+                <a:spcPct val="150000"/>
+              </a:lnSpc>
+            </a:pPr>
+            <a:endParaRPr lang="es-ES" sz="1500" dirty="0">
+              <a:latin typeface="Work Sans Light" pitchFamily="2" charset="77"/>
+            </a:endParaRPr>
+          </a:p>
+          <a:p>
+            <a:pPr algn="just">
+              <a:lnSpc>
+                <a:spcPct val="150000"/>
+              </a:lnSpc>
+            </a:pPr>
+            <a:r>
+              <a:rPr lang="es-ES" sz="1500" b="1" dirty="0">
+                <a:latin typeface="Work Sans Light" pitchFamily="2" charset="77"/>
+              </a:rPr>
+              <a:t>Elementos a tener en cuenta: </a:t>
+            </a:r>
+          </a:p>
+          <a:p>
+            <a:pPr marL="285750" indent="-285750" algn="just">
+              <a:lnSpc>
+                <a:spcPct val="150000"/>
+              </a:lnSpc>
+              <a:buFont typeface="Arial" panose="020B0604020202020204" pitchFamily="34" charset="0"/>
+              <a:buChar char="•"/>
+            </a:pPr>
+            <a:r>
+              <a:rPr lang="es-ES" sz="1500" dirty="0">
+                <a:latin typeface="Work Sans Light" pitchFamily="2" charset="77"/>
+              </a:rPr>
+              <a:t>Se deben seguir las normas básicas de presentación de un documento escrito, es decir el documento debe tener como mínimo una portada, introducción, desarrollo y bibliografía. </a:t>
+            </a:r>
+          </a:p>
+          <a:p>
+            <a:pPr marL="285750" indent="-285750" algn="just">
+              <a:lnSpc>
+                <a:spcPct val="150000"/>
+              </a:lnSpc>
+              <a:buFont typeface="Arial" panose="020B0604020202020204" pitchFamily="34" charset="0"/>
+              <a:buChar char="•"/>
+            </a:pPr>
+            <a:r>
+              <a:rPr lang="es-ES" sz="1500" dirty="0">
+                <a:latin typeface="Work Sans Light" pitchFamily="2" charset="77"/>
+              </a:rPr>
+              <a:t>El informe debe evidenciar una justificación clara de la selección de la metodología respecto al proyecto a desarrollar. </a:t>
+            </a:r>
+          </a:p>
+          <a:p>
+            <a:pPr marL="285750" indent="-285750" algn="just">
+              <a:lnSpc>
+                <a:spcPct val="150000"/>
+              </a:lnSpc>
+              <a:buFont typeface="Arial" panose="020B0604020202020204" pitchFamily="34" charset="0"/>
+              <a:buChar char="•"/>
+            </a:pPr>
+            <a:r>
+              <a:rPr lang="es-ES" sz="1500" dirty="0">
+                <a:latin typeface="Work Sans Light" pitchFamily="2" charset="77"/>
+              </a:rPr>
+              <a:t>Debe incluir una descripción del contexto y características del proyecto.</a:t>
+            </a:r>
+          </a:p>
+          <a:p>
+            <a:pPr marL="285750" indent="-285750" algn="just">
+              <a:lnSpc>
+                <a:spcPct val="150000"/>
+              </a:lnSpc>
+              <a:buFont typeface="Arial" panose="020B0604020202020204" pitchFamily="34" charset="0"/>
+              <a:buChar char="•"/>
+            </a:pPr>
+            <a:r>
+              <a:rPr lang="es-ES" sz="1500" dirty="0">
+                <a:latin typeface="Work Sans Light" pitchFamily="2" charset="77"/>
+              </a:rPr>
+              <a:t>El informe debe evidenciar el uso de filtros tales como tamaño del proyecto, periodicidad de realimentación con el cliente, estado de la tecnología, etc.</a:t>
+            </a:r>
+          </a:p>
+          <a:p>
+            <a:pPr marL="285750" indent="-285750" algn="just">
+              <a:lnSpc>
+                <a:spcPct val="150000"/>
+              </a:lnSpc>
+              <a:buFont typeface="Arial" panose="020B0604020202020204" pitchFamily="34" charset="0"/>
+              <a:buChar char="•"/>
+            </a:pPr>
+            <a:endParaRPr lang="es-ES" sz="1500" dirty="0">
+              <a:latin typeface="Work Sans Light" pitchFamily="2" charset="77"/>
+            </a:endParaRPr>
+          </a:p>
+          <a:p>
+            <a:pPr>
+              <a:lnSpc>
+                <a:spcPct val="150000"/>
+              </a:lnSpc>
+            </a:pPr>
+            <a:r>
+              <a:rPr lang="es-ES" sz="1400" b="1" dirty="0">
+                <a:latin typeface="Work Sans Light" pitchFamily="2" charset="77"/>
+              </a:rPr>
+              <a:t>Lineamientos generales para la entrega de la evidencia: </a:t>
+            </a:r>
+          </a:p>
+          <a:p>
+            <a:pPr marL="285750" indent="-285750" algn="just">
+              <a:lnSpc>
+                <a:spcPct val="150000"/>
+              </a:lnSpc>
+              <a:buFont typeface="Arial" panose="020B0604020202020204" pitchFamily="34" charset="0"/>
+              <a:buChar char="•"/>
+            </a:pPr>
+            <a:r>
+              <a:rPr lang="es-ES" sz="1400" b="1" dirty="0">
+                <a:latin typeface="Work Sans Light" pitchFamily="2" charset="77"/>
+              </a:rPr>
+              <a:t>Productos para entregar</a:t>
+            </a:r>
+            <a:r>
+              <a:rPr lang="es-ES" sz="1400" dirty="0">
+                <a:latin typeface="Work Sans Light" pitchFamily="2" charset="77"/>
+              </a:rPr>
+              <a:t>: </a:t>
+            </a:r>
+            <a:r>
+              <a:rPr lang="es-CO" sz="1500" dirty="0">
+                <a:latin typeface="Work Sans Light" pitchFamily="2" charset="77"/>
+              </a:rPr>
+              <a:t>informe</a:t>
+            </a:r>
+            <a:r>
+              <a:rPr lang="es-ES" sz="1500" dirty="0">
+                <a:latin typeface="Work Sans Light" pitchFamily="2" charset="77"/>
+              </a:rPr>
+              <a:t>.</a:t>
+            </a:r>
+          </a:p>
+          <a:p>
+            <a:pPr marL="285750" indent="-285750" algn="just">
+              <a:lnSpc>
+                <a:spcPct val="150000"/>
+              </a:lnSpc>
+              <a:buFont typeface="Arial" panose="020B0604020202020204" pitchFamily="34" charset="0"/>
+              <a:buChar char="•"/>
+            </a:pPr>
+            <a:r>
+              <a:rPr lang="es-ES" sz="1400" b="1" dirty="0">
+                <a:latin typeface="Work Sans Light" pitchFamily="2" charset="77"/>
+              </a:rPr>
+              <a:t>Formato:</a:t>
+            </a:r>
+            <a:r>
+              <a:rPr lang="es-ES" sz="1400" dirty="0">
+                <a:latin typeface="Work Sans Light" pitchFamily="2" charset="77"/>
+              </a:rPr>
+              <a:t> PDF</a:t>
+            </a:r>
+          </a:p>
+          <a:p>
+            <a:pPr marL="285750" indent="-285750" algn="just">
+              <a:lnSpc>
+                <a:spcPct val="150000"/>
+              </a:lnSpc>
+              <a:buFont typeface="Arial" panose="020B0604020202020204" pitchFamily="34" charset="0"/>
+              <a:buChar char="•"/>
+            </a:pPr>
+            <a:r>
+              <a:rPr lang="es-ES" sz="1400" b="1" dirty="0">
+                <a:latin typeface="Work Sans Light" pitchFamily="2" charset="77"/>
+              </a:rPr>
+              <a:t>Para hacer el envío de la evidencia </a:t>
+            </a:r>
+            <a:r>
+              <a:rPr lang="es-ES" sz="1400" dirty="0">
+                <a:latin typeface="Work Sans Light" pitchFamily="2" charset="77"/>
+              </a:rPr>
+              <a:t>remítase al área de la actividad correspondiente y acceda al espacio</a:t>
+            </a:r>
+            <a:r>
+              <a:rPr lang="es-ES" sz="1400" b="1" dirty="0">
+                <a:latin typeface="Work Sans Light" pitchFamily="2" charset="77"/>
+              </a:rPr>
+              <a:t> documento identificando la metodología para el proyecto de desarrollo de software. GA1-220501093-AA1-EV04. </a:t>
+            </a:r>
+          </a:p>
+        </p:txBody>
+      </p:sp>
+    </p:spTree>
+    <p:extLst>
+      <p:ext uri="{BB962C8B-B14F-4D97-AF65-F5344CB8AC3E}">
+        <p14:creationId xmlns:p14="http://schemas.microsoft.com/office/powerpoint/2010/main" val="1957782674"/>
+      </p:ext>
+    </p:extLst>
+  </p:cSld>
+  <p:clrMapOvr>
+    <a:masterClrMapping/>
+  </p:clrMapOvr>
+</p:sld>
+</file>
+
+<file path=ppt/slides/slide11.xml><?xml version="1.0" encoding="utf-8"?>
+<p:sld xmlns:a="http://schemas.openxmlformats.org/drawingml/2006/main" xmlns:r="http://schemas.openxmlformats.org/officeDocument/2006/relationships" xmlns:p="http://schemas.openxmlformats.org/presentationml/2006/main">
+  <p:cSld>
+    <p:bg>
+      <p:bgPr>
+        <a:blipFill dpi="0" rotWithShape="1">
+          <a:blip r:embed="rId2">
+            <a:lum/>
+          </a:blip>
+          <a:srcRect/>
+          <a:stretch>
+            <a:fillRect/>
+          </a:stretch>
+        </a:blipFill>
+        <a:effectLst/>
+      </p:bgPr>
+    </p:bg>
+    <p:spTree>
+      <p:nvGrpSpPr>
+        <p:cNvPr id="1" name=""/>
+        <p:cNvGrpSpPr/>
+        <p:nvPr/>
+      </p:nvGrpSpPr>
+      <p:grpSpPr>
+        <a:xfrm>
+          <a:off x="0" y="0"/>
+          <a:ext cx="0" cy="0"/>
+          <a:chOff x="0" y="0"/>
+          <a:chExt cx="0" cy="0"/>
+        </a:xfrm>
+      </p:grpSpPr>
     </p:spTree>
     <p:extLst>
       <p:ext uri="{BB962C8B-B14F-4D97-AF65-F5344CB8AC3E}">
@@ -5100,8 +5447,8 @@
         </p:nvSpPr>
         <p:spPr>
           <a:xfrm>
-            <a:off x="456236" y="226259"/>
-            <a:ext cx="10569573" cy="527874"/>
+            <a:off x="456236" y="416690"/>
+            <a:ext cx="9815809" cy="527874"/>
           </a:xfrm>
           <a:prstGeom prst="rect">
             <a:avLst/>
@@ -5129,31 +5476,47 @@
             </a:lvl1pPr>
           </a:lstStyle>
           <a:p>
-            <a:pPr marL="342900" indent="-342900" algn="just">
+            <a:pPr marL="0" marR="0" lvl="0" indent="0" algn="l" defTabSz="914400" rtl="0" eaLnBrk="1" fontAlgn="auto" latinLnBrk="0" hangingPunct="1">
               <a:lnSpc>
-                <a:spcPct val="150000"/>
+                <a:spcPct val="90000"/>
               </a:lnSpc>
-              <a:buFont typeface="+mj-lt"/>
-              <a:buAutoNum type="arabicPeriod"/>
+              <a:spcBef>
+                <a:spcPct val="0"/>
+              </a:spcBef>
+              <a:spcAft>
+                <a:spcPts val="0"/>
+              </a:spcAft>
+              <a:buClrTx/>
+              <a:buSzTx/>
+              <a:buFontTx/>
+              <a:buNone/>
+              <a:tabLst/>
+              <a:defRPr/>
             </a:pPr>
             <a:r>
-              <a:rPr lang="es-ES" sz="1800" b="1" dirty="0">
+              <a:rPr lang="es-ES" sz="3600" b="1" dirty="0">
                 <a:solidFill>
-                  <a:schemeClr val="bg1"/>
+                  <a:prstClr val="white"/>
                 </a:solidFill>
-                <a:latin typeface="Work Sans Light" pitchFamily="2" charset="77"/>
-              </a:rPr>
-              <a:t>Evidencia conocimiento: GA1-220501093-AA1-EV01 taller sobre metodologías de desarrollo de software</a:t>
-            </a:r>
-          </a:p>
-        </p:txBody>
-      </p:sp>
-      <p:sp>
-        <p:nvSpPr>
-          <p:cNvPr id="2" name="CuadroTexto 1">
-            <a:extLst>
-              <a:ext uri="{FF2B5EF4-FFF2-40B4-BE49-F238E27FC236}">
-                <a16:creationId xmlns:a16="http://schemas.microsoft.com/office/drawing/2014/main" id="{05C91B34-A9AF-EE63-68C6-548DAAE8E80E}"/>
+                <a:latin typeface="WORK SANS BOLD ROMAN" pitchFamily="2" charset="77"/>
+              </a:rPr>
+              <a:t>Metodologías de desarrollo de software</a:t>
+            </a:r>
+            <a:endParaRPr lang="es-CO" sz="3600" b="1" dirty="0">
+              <a:solidFill>
+                <a:prstClr val="white"/>
+              </a:solidFill>
+              <a:latin typeface="WORK SANS BOLD ROMAN" pitchFamily="2" charset="77"/>
+            </a:endParaRPr>
+          </a:p>
+        </p:txBody>
+      </p:sp>
+      <p:sp>
+        <p:nvSpPr>
+          <p:cNvPr id="6" name="TextBox 5">
+            <a:extLst>
+              <a:ext uri="{FF2B5EF4-FFF2-40B4-BE49-F238E27FC236}">
+                <a16:creationId xmlns:a16="http://schemas.microsoft.com/office/drawing/2014/main" id="{15D318A7-2619-8498-0187-DF429C639898}"/>
               </a:ext>
             </a:extLst>
           </p:cNvPr>
@@ -5162,8 +5525,8 @@
         </p:nvSpPr>
         <p:spPr>
           <a:xfrm>
-            <a:off x="456236" y="1566280"/>
-            <a:ext cx="11192425" cy="4857484"/>
+            <a:off x="2811612" y="6520822"/>
+            <a:ext cx="6568776" cy="246221"/>
           </a:xfrm>
           <a:prstGeom prst="rect">
             <a:avLst/>
@@ -5176,190 +5539,66 @@
           </a:bodyPr>
           <a:lstStyle/>
           <a:p>
-            <a:pPr algn="just">
-              <a:lnSpc>
-                <a:spcPct val="150000"/>
-              </a:lnSpc>
-            </a:pPr>
-            <a:r>
-              <a:rPr lang="es-ES" sz="1500" dirty="0">
-                <a:latin typeface="Work Sans Light" pitchFamily="2" charset="77"/>
-              </a:rPr>
-              <a:t>Las metodologías de desarrollo son indispensables en los grupos de trabajo y organizaciones relacionadas con la industria de software, partiendo de la información abordada en este componente desarrollar el taller sobre metodologías de desarrollo de software propuesto.</a:t>
-            </a:r>
-          </a:p>
-          <a:p>
-            <a:pPr algn="just">
-              <a:lnSpc>
-                <a:spcPct val="150000"/>
-              </a:lnSpc>
-            </a:pPr>
-            <a:endParaRPr lang="es-ES" sz="1500" dirty="0">
-              <a:latin typeface="Work Sans Light" pitchFamily="2" charset="77"/>
-            </a:endParaRPr>
-          </a:p>
-          <a:p>
-            <a:pPr algn="just">
-              <a:lnSpc>
-                <a:spcPct val="150000"/>
-              </a:lnSpc>
-            </a:pPr>
-            <a:r>
-              <a:rPr lang="es-ES" sz="1500" b="1" dirty="0">
-                <a:latin typeface="Work Sans Light" pitchFamily="2" charset="77"/>
-              </a:rPr>
-              <a:t>Elementos a tener en cuenta en el documento: </a:t>
-            </a:r>
-          </a:p>
-          <a:p>
-            <a:pPr marL="285750" indent="-285750" algn="just">
-              <a:lnSpc>
-                <a:spcPct val="150000"/>
-              </a:lnSpc>
-              <a:buFont typeface="Arial" panose="020B0604020202020204" pitchFamily="34" charset="0"/>
-              <a:buChar char="•"/>
-            </a:pPr>
-            <a:r>
-              <a:rPr lang="es-ES" sz="1500" dirty="0">
-                <a:latin typeface="Work Sans Light" pitchFamily="2" charset="77"/>
-              </a:rPr>
-              <a:t>Seleccionar diferentes fuentes de información relacionadas con las metodologías de desarrollo de software. </a:t>
-            </a:r>
-          </a:p>
-          <a:p>
-            <a:pPr marL="285750" indent="-285750" algn="just">
-              <a:lnSpc>
-                <a:spcPct val="150000"/>
-              </a:lnSpc>
-              <a:buFont typeface="Arial" panose="020B0604020202020204" pitchFamily="34" charset="0"/>
-              <a:buChar char="•"/>
-            </a:pPr>
-            <a:r>
-              <a:rPr lang="es-ES" sz="1500" dirty="0">
-                <a:latin typeface="Work Sans Light" pitchFamily="2" charset="77"/>
-              </a:rPr>
-              <a:t>Detallar las características que identifican a los marcos de trabajo tradicionales y los marcos de trabajo ágiles. </a:t>
-            </a:r>
-          </a:p>
-          <a:p>
-            <a:pPr marL="285750" indent="-285750" algn="just">
-              <a:lnSpc>
-                <a:spcPct val="150000"/>
-              </a:lnSpc>
-              <a:buFont typeface="Arial" panose="020B0604020202020204" pitchFamily="34" charset="0"/>
-              <a:buChar char="•"/>
-            </a:pPr>
-            <a:r>
-              <a:rPr lang="es-ES" sz="1500" dirty="0">
-                <a:latin typeface="Work Sans Light" pitchFamily="2" charset="77"/>
-              </a:rPr>
-              <a:t>Utilizar imágenes de construcción propia o que tengan los derechos respectivos de uso..</a:t>
-            </a:r>
-          </a:p>
-          <a:p>
-            <a:pPr algn="just">
-              <a:lnSpc>
-                <a:spcPct val="150000"/>
-              </a:lnSpc>
-            </a:pPr>
-            <a:endParaRPr lang="es-ES" sz="1500" dirty="0">
-              <a:latin typeface="Work Sans Light" pitchFamily="2" charset="77"/>
-            </a:endParaRPr>
-          </a:p>
-          <a:p>
-            <a:pPr>
-              <a:lnSpc>
-                <a:spcPct val="150000"/>
-              </a:lnSpc>
-            </a:pPr>
-            <a:r>
-              <a:rPr lang="es-ES" sz="1400" b="1" dirty="0">
-                <a:latin typeface="Work Sans Light" pitchFamily="2" charset="77"/>
-              </a:rPr>
-              <a:t>Lineamientos generales para la entrega de la evidencia: </a:t>
-            </a:r>
-          </a:p>
-          <a:p>
-            <a:pPr marL="285750" indent="-285750" algn="just">
-              <a:lnSpc>
-                <a:spcPct val="150000"/>
-              </a:lnSpc>
-              <a:buFont typeface="Arial" panose="020B0604020202020204" pitchFamily="34" charset="0"/>
-              <a:buChar char="•"/>
-            </a:pPr>
-            <a:r>
-              <a:rPr lang="es-ES" sz="1400" b="1" dirty="0">
-                <a:latin typeface="Work Sans Light" pitchFamily="2" charset="77"/>
-              </a:rPr>
-              <a:t>Productos para entregar</a:t>
-            </a:r>
-            <a:r>
-              <a:rPr lang="es-ES" sz="1400" dirty="0">
-                <a:latin typeface="Work Sans Light" pitchFamily="2" charset="77"/>
-              </a:rPr>
-              <a:t>: </a:t>
-            </a:r>
-            <a:r>
-              <a:rPr lang="es-ES" sz="1500" dirty="0">
-                <a:latin typeface="Work Sans Light" pitchFamily="2" charset="77"/>
-              </a:rPr>
-              <a:t>documento con el desarrollo del taller propuesto.</a:t>
-            </a:r>
-          </a:p>
-          <a:p>
-            <a:pPr marL="285750" indent="-285750" algn="just">
-              <a:lnSpc>
-                <a:spcPct val="150000"/>
-              </a:lnSpc>
-              <a:buFont typeface="Arial" panose="020B0604020202020204" pitchFamily="34" charset="0"/>
-              <a:buChar char="•"/>
-            </a:pPr>
-            <a:r>
-              <a:rPr lang="es-ES" sz="1400" b="1" dirty="0">
-                <a:latin typeface="Work Sans Light" pitchFamily="2" charset="77"/>
-              </a:rPr>
-              <a:t>Formato:</a:t>
-            </a:r>
-            <a:r>
-              <a:rPr lang="es-ES" sz="1400" dirty="0">
-                <a:latin typeface="Work Sans Light" pitchFamily="2" charset="77"/>
-              </a:rPr>
-              <a:t> PDF</a:t>
-            </a:r>
-          </a:p>
-          <a:p>
-            <a:pPr marL="285750" indent="-285750" algn="just">
-              <a:lnSpc>
-                <a:spcPct val="150000"/>
-              </a:lnSpc>
-              <a:buFont typeface="Arial" panose="020B0604020202020204" pitchFamily="34" charset="0"/>
-              <a:buChar char="•"/>
-            </a:pPr>
-            <a:r>
-              <a:rPr lang="es-ES" sz="1400" b="1" dirty="0">
-                <a:latin typeface="Work Sans Light" pitchFamily="2" charset="77"/>
-              </a:rPr>
-              <a:t>Para hacer el envío de la evidencia </a:t>
-            </a:r>
-            <a:r>
-              <a:rPr lang="es-ES" sz="1400" dirty="0">
-                <a:latin typeface="Work Sans Light" pitchFamily="2" charset="77"/>
-              </a:rPr>
-              <a:t>remítase al área de la actividad correspondiente y acceda al espacio</a:t>
-            </a:r>
-            <a:r>
-              <a:rPr lang="es-ES" sz="1400" b="1" dirty="0">
-                <a:latin typeface="Work Sans Light" pitchFamily="2" charset="77"/>
-              </a:rPr>
-              <a:t> taller sobre metodologías de desarrollo de software. GA1-220501093AA1-EV01. </a:t>
-            </a:r>
-          </a:p>
-        </p:txBody>
-      </p:sp>
+            <a:r>
+              <a:rPr lang="es-CO" sz="1000" dirty="0">
+                <a:latin typeface="Work Sans Light" pitchFamily="2" charset="77"/>
+              </a:rPr>
+              <a:t>https://emprendecontuweb.com/cuales-son-las-metodologias-de-desarrollo-de-software-mas-eficaces/</a:t>
+            </a:r>
+          </a:p>
+        </p:txBody>
+      </p:sp>
+      <p:pic>
+        <p:nvPicPr>
+          <p:cNvPr id="2" name="Picture 2" descr="Cuáles son las metodologías de desarrollo de software más eficaces? |  Emprende con tu web">
+            <a:extLst>
+              <a:ext uri="{FF2B5EF4-FFF2-40B4-BE49-F238E27FC236}">
+                <a16:creationId xmlns:a16="http://schemas.microsoft.com/office/drawing/2014/main" id="{5F5976F8-1E27-6E26-C065-3293136707AD}"/>
+              </a:ext>
+            </a:extLst>
+          </p:cNvPr>
+          <p:cNvPicPr>
+            <a:picLocks noChangeAspect="1" noChangeArrowheads="1"/>
+          </p:cNvPicPr>
+          <p:nvPr/>
+        </p:nvPicPr>
+        <p:blipFill>
+          <a:blip r:embed="rId3">
+            <a:extLst>
+              <a:ext uri="{28A0092B-C50C-407E-A947-70E740481C1C}">
+                <a14:useLocalDpi xmlns:a14="http://schemas.microsoft.com/office/drawing/2010/main" val="0"/>
+              </a:ext>
+            </a:extLst>
+          </a:blip>
+          <a:srcRect/>
+          <a:stretch>
+            <a:fillRect/>
+          </a:stretch>
+        </p:blipFill>
+        <p:spPr bwMode="auto">
+          <a:xfrm>
+            <a:off x="1800225" y="1372353"/>
+            <a:ext cx="8591550" cy="5029200"/>
+          </a:xfrm>
+          <a:prstGeom prst="rect">
+            <a:avLst/>
+          </a:prstGeom>
+          <a:noFill/>
+          <a:extLst>
+            <a:ext uri="{909E8E84-426E-40DD-AFC4-6F175D3DCCD1}">
+              <a14:hiddenFill xmlns:a14="http://schemas.microsoft.com/office/drawing/2010/main">
+                <a:solidFill>
+                  <a:srgbClr val="FFFFFF"/>
+                </a:solidFill>
+              </a14:hiddenFill>
+            </a:ext>
+          </a:extLst>
+        </p:spPr>
+      </p:pic>
     </p:spTree>
     <p:extLst>
       <p:ext uri="{BB962C8B-B14F-4D97-AF65-F5344CB8AC3E}">
-        <p14:creationId xmlns:p14="http://schemas.microsoft.com/office/powerpoint/2010/main" val="2543653302"/>
+        <p14:creationId xmlns:p14="http://schemas.microsoft.com/office/powerpoint/2010/main" val="3565898023"/>
       </p:ext>
     </p:extLst>
   </p:cSld>
@@ -5445,10 +5684,12 @@
             </a:lvl1pPr>
           </a:lstStyle>
           <a:p>
-            <a:pPr algn="just">
+            <a:pPr marL="342900" indent="-342900" algn="just">
               <a:lnSpc>
                 <a:spcPct val="150000"/>
               </a:lnSpc>
+              <a:buFont typeface="+mj-lt"/>
+              <a:buAutoNum type="arabicPeriod"/>
             </a:pPr>
             <a:r>
               <a:rPr lang="es-ES" sz="1800" b="1" dirty="0">
@@ -5457,7 +5698,7 @@
                 </a:solidFill>
                 <a:latin typeface="Work Sans Light" pitchFamily="2" charset="77"/>
               </a:rPr>
-              <a:t>2. Evidencia conocimiento: GA1-220501093-AA1-EV02 infografía sobre metodologías de desarrollo de software</a:t>
+              <a:t>Evidencia conocimiento: GA1-220501093-AA1-EV01 taller sobre metodologías de desarrollo de software</a:t>
             </a:r>
           </a:p>
         </p:txBody>
@@ -5476,8 +5717,8 @@
         </p:nvSpPr>
         <p:spPr>
           <a:xfrm>
-            <a:off x="456236" y="1454770"/>
-            <a:ext cx="11192425" cy="5249899"/>
+            <a:off x="456236" y="1566280"/>
+            <a:ext cx="11192425" cy="4857484"/>
           </a:xfrm>
           <a:prstGeom prst="rect">
             <a:avLst/>
@@ -5499,7 +5740,7 @@
               <a:rPr lang="es-ES" sz="1500" dirty="0">
                 <a:latin typeface="Work Sans Light" pitchFamily="2" charset="77"/>
               </a:rPr>
-              <a:t>Realizar una investigación corta profundizando en las metodologías de desarrollo de software que existen en la industrial y a partir de esta investigación construir una infografía en la que se resuman las principales características, ventajas y desventajas de 3 marcos de trabajo ágiles y tres marcos de trabajo tradicionales.</a:t>
+              <a:t>Las metodologías de desarrollo son indispensables en los grupos de trabajo y organizaciones relacionadas con la industria de software, partiendo de la información abordada en este componente desarrollar el taller sobre metodologías de desarrollo de software propuesto.</a:t>
             </a:r>
           </a:p>
           <a:p>
@@ -5522,7 +5763,7 @@
               <a:rPr lang="es-ES" sz="1500" b="1" dirty="0">
                 <a:latin typeface="Work Sans Light" pitchFamily="2" charset="77"/>
               </a:rPr>
-              <a:t>Elementos a tener en cuenta en la infografía: </a:t>
+              <a:t>Elementos a tener en cuenta en el documento: </a:t>
             </a:r>
           </a:p>
           <a:p>
@@ -5537,7 +5778,7 @@
               <a:rPr lang="es-ES" sz="1500" dirty="0">
                 <a:latin typeface="Work Sans Light" pitchFamily="2" charset="77"/>
               </a:rPr>
-              <a:t>Debe incluir tres marcos de trabajo ágiles y tres marcos de trabajo tradicionales.</a:t>
+              <a:t>Seleccionar diferentes fuentes de información relacionadas con las metodologías de desarrollo de software. </a:t>
             </a:r>
           </a:p>
           <a:p>
@@ -5552,7 +5793,7 @@
               <a:rPr lang="es-ES" sz="1500" dirty="0">
                 <a:latin typeface="Work Sans Light" pitchFamily="2" charset="77"/>
               </a:rPr>
-              <a:t>Debe incluir un marco de trabajo tradicional y un marco de trabajo ágil que no se haya desarrollado durante el componente formativo 6. </a:t>
+              <a:t>Detallar las características que identifican a los marcos de trabajo tradicionales y los marcos de trabajo ágiles. </a:t>
             </a:r>
           </a:p>
           <a:p>
@@ -5571,6 +5812,29 @@
             </a:r>
           </a:p>
           <a:p>
+            <a:pPr algn="just">
+              <a:lnSpc>
+                <a:spcPct val="150000"/>
+              </a:lnSpc>
+            </a:pPr>
+            <a:endParaRPr lang="es-ES" sz="1500" dirty="0">
+              <a:latin typeface="Work Sans Light" pitchFamily="2" charset="77"/>
+            </a:endParaRPr>
+          </a:p>
+          <a:p>
+            <a:pPr>
+              <a:lnSpc>
+                <a:spcPct val="150000"/>
+              </a:lnSpc>
+            </a:pPr>
+            <a:r>
+              <a:rPr lang="es-ES" sz="1400" b="1" dirty="0">
+                <a:latin typeface="Work Sans Light" pitchFamily="2" charset="77"/>
+              </a:rPr>
+              <a:t>Lineamientos generales para la entrega de la evidencia: </a:t>
+            </a:r>
+          </a:p>
+          <a:p>
             <a:pPr marL="285750" indent="-285750" algn="just">
               <a:lnSpc>
                 <a:spcPct val="150000"/>
@@ -5578,21 +5842,23 @@
               <a:buFont typeface="Arial" panose="020B0604020202020204" pitchFamily="34" charset="0"/>
               <a:buChar char="•"/>
             </a:pPr>
-            <a:endParaRPr lang="es-ES" sz="1500" dirty="0">
-              <a:latin typeface="Work Sans Light" pitchFamily="2" charset="77"/>
-            </a:endParaRPr>
-          </a:p>
-          <a:p>
-            <a:pPr>
-              <a:lnSpc>
-                <a:spcPct val="150000"/>
-              </a:lnSpc>
-            </a:pPr>
             <a:r>
               <a:rPr lang="es-ES" sz="1400" b="1" dirty="0">
                 <a:latin typeface="Work Sans Light" pitchFamily="2" charset="77"/>
               </a:rPr>
-              <a:t>Lineamientos generales para la entrega de la evidencia: </a:t>
+              <a:t>Productos para entregar</a:t>
+            </a:r>
+            <a:r>
+              <a:rPr lang="es-ES" sz="1400" dirty="0">
+                <a:latin typeface="Work Sans Light" pitchFamily="2" charset="77"/>
+              </a:rPr>
+              <a:t>: </a:t>
+            </a:r>
+            <a:r>
+              <a:rPr lang="es-ES" sz="1500" dirty="0">
+                <a:latin typeface="Work Sans Light" pitchFamily="2" charset="77"/>
+              </a:rPr>
+              <a:t>documento con el desarrollo del taller propuesto.</a:t>
             </a:r>
           </a:p>
           <a:p>
@@ -5607,19 +5873,13 @@
               <a:rPr lang="es-ES" sz="1400" b="1" dirty="0">
                 <a:latin typeface="Work Sans Light" pitchFamily="2" charset="77"/>
               </a:rPr>
-              <a:t>Productos para entregar</a:t>
+              <a:t>Formato:</a:t>
             </a:r>
             <a:r>
               <a:rPr lang="es-ES" sz="1400" dirty="0">
                 <a:latin typeface="Work Sans Light" pitchFamily="2" charset="77"/>
               </a:rPr>
-              <a:t>: </a:t>
-            </a:r>
-            <a:r>
-              <a:rPr lang="es-ES" sz="1500" dirty="0">
-                <a:latin typeface="Work Sans Light" pitchFamily="2" charset="77"/>
-              </a:rPr>
-              <a:t>infografía sobre metodologías de desarrollo.</a:t>
+              <a:t> PDF</a:t>
             </a:r>
           </a:p>
           <a:p>
@@ -5634,40 +5894,19 @@
               <a:rPr lang="es-ES" sz="1400" b="1" dirty="0">
                 <a:latin typeface="Work Sans Light" pitchFamily="2" charset="77"/>
               </a:rPr>
-              <a:t>Formato:</a:t>
+              <a:t>Para hacer el envío de la evidencia </a:t>
             </a:r>
             <a:r>
               <a:rPr lang="es-ES" sz="1400" dirty="0">
                 <a:latin typeface="Work Sans Light" pitchFamily="2" charset="77"/>
               </a:rPr>
-              <a:t> PDF</a:t>
-            </a:r>
-          </a:p>
-          <a:p>
-            <a:pPr marL="285750" indent="-285750" algn="just">
-              <a:lnSpc>
-                <a:spcPct val="150000"/>
-              </a:lnSpc>
-              <a:buFont typeface="Arial" panose="020B0604020202020204" pitchFamily="34" charset="0"/>
-              <a:buChar char="•"/>
-            </a:pPr>
+              <a:t>remítase al área de la actividad correspondiente y acceda al espacio</a:t>
+            </a:r>
             <a:r>
               <a:rPr lang="es-ES" sz="1400" b="1" dirty="0">
                 <a:latin typeface="Work Sans Light" pitchFamily="2" charset="77"/>
               </a:rPr>
-              <a:t>Para hacer el envío de la evidencia </a:t>
-            </a:r>
-            <a:r>
-              <a:rPr lang="es-ES" sz="1400" dirty="0">
-                <a:latin typeface="Work Sans Light" pitchFamily="2" charset="77"/>
-              </a:rPr>
-              <a:t>remítase al área de la actividad correspondiente y acceda al espacio</a:t>
-            </a:r>
-            <a:r>
-              <a:rPr lang="es-ES" sz="1400" b="1" dirty="0">
-                <a:latin typeface="Work Sans Light" pitchFamily="2" charset="77"/>
-              </a:rPr>
-              <a:t> infografía sobre metodologías de desarrollo de software. GA1-220501093AA1- EV02. </a:t>
+              <a:t> taller sobre metodologías de desarrollo de software. GA1-220501093AA1-EV01. </a:t>
             </a:r>
           </a:p>
         </p:txBody>
@@ -5675,7 +5914,7 @@
     </p:spTree>
     <p:extLst>
       <p:ext uri="{BB962C8B-B14F-4D97-AF65-F5344CB8AC3E}">
-        <p14:creationId xmlns:p14="http://schemas.microsoft.com/office/powerpoint/2010/main" val="282063465"/>
+        <p14:creationId xmlns:p14="http://schemas.microsoft.com/office/powerpoint/2010/main" val="2543653302"/>
       </p:ext>
     </p:extLst>
   </p:cSld>
@@ -5732,8 +5971,8 @@
         </p:nvSpPr>
         <p:spPr>
           <a:xfrm>
-            <a:off x="456236" y="416690"/>
-            <a:ext cx="9815809" cy="527874"/>
+            <a:off x="456236" y="226259"/>
+            <a:ext cx="10569573" cy="527874"/>
           </a:xfrm>
           <a:prstGeom prst="rect">
             <a:avLst/>
@@ -5761,47 +6000,29 @@
             </a:lvl1pPr>
           </a:lstStyle>
           <a:p>
-            <a:pPr marL="0" marR="0" lvl="0" indent="0" algn="l" defTabSz="914400" rtl="0" eaLnBrk="1" fontAlgn="auto" latinLnBrk="0" hangingPunct="1">
+            <a:pPr algn="just">
               <a:lnSpc>
-                <a:spcPct val="90000"/>
+                <a:spcPct val="150000"/>
               </a:lnSpc>
-              <a:spcBef>
-                <a:spcPct val="0"/>
-              </a:spcBef>
-              <a:spcAft>
-                <a:spcPts val="0"/>
-              </a:spcAft>
-              <a:buClrTx/>
-              <a:buSzTx/>
-              <a:buFontTx/>
-              <a:buNone/>
-              <a:tabLst/>
-              <a:defRPr/>
             </a:pPr>
             <a:r>
-              <a:rPr lang="es-ES" sz="3600" b="1" dirty="0">
+              <a:rPr lang="es-ES" sz="1800" b="1" dirty="0">
                 <a:solidFill>
-                  <a:prstClr val="white"/>
+                  <a:schemeClr val="bg1"/>
                 </a:solidFill>
-                <a:latin typeface="WORK SANS BOLD ROMAN" pitchFamily="2" charset="77"/>
-              </a:rPr>
-              <a:t>Recomendaciones Infografías</a:t>
-            </a:r>
-            <a:endParaRPr lang="es-CO" sz="3600" b="1" dirty="0">
-              <a:solidFill>
-                <a:prstClr val="white"/>
-              </a:solidFill>
-              <a:latin typeface="WORK SANS BOLD ROMAN" pitchFamily="2" charset="77"/>
-            </a:endParaRPr>
-          </a:p>
-        </p:txBody>
-      </p:sp>
-      <p:sp>
-        <p:nvSpPr>
-          <p:cNvPr id="6" name="TextBox 5">
-            <a:extLst>
-              <a:ext uri="{FF2B5EF4-FFF2-40B4-BE49-F238E27FC236}">
-                <a16:creationId xmlns:a16="http://schemas.microsoft.com/office/drawing/2014/main" id="{15D318A7-2619-8498-0187-DF429C639898}"/>
+                <a:latin typeface="Work Sans Light" pitchFamily="2" charset="77"/>
+              </a:rPr>
+              <a:t>2. Evidencia conocimiento: GA1-220501093-AA1-EV02 infografía sobre metodologías de desarrollo de software</a:t>
+            </a:r>
+          </a:p>
+        </p:txBody>
+      </p:sp>
+      <p:sp>
+        <p:nvSpPr>
+          <p:cNvPr id="2" name="CuadroTexto 1">
+            <a:extLst>
+              <a:ext uri="{FF2B5EF4-FFF2-40B4-BE49-F238E27FC236}">
+                <a16:creationId xmlns:a16="http://schemas.microsoft.com/office/drawing/2014/main" id="{05C91B34-A9AF-EE63-68C6-548DAAE8E80E}"/>
               </a:ext>
             </a:extLst>
           </p:cNvPr>
@@ -5810,8 +6031,8 @@
         </p:nvSpPr>
         <p:spPr>
           <a:xfrm>
-            <a:off x="2018716" y="5879101"/>
-            <a:ext cx="3287954" cy="246221"/>
+            <a:off x="456236" y="1454770"/>
+            <a:ext cx="11192425" cy="5249899"/>
           </a:xfrm>
           <a:prstGeom prst="rect">
             <a:avLst/>
@@ -5824,154 +6045,192 @@
           </a:bodyPr>
           <a:lstStyle/>
           <a:p>
-            <a:r>
-              <a:rPr lang="es-CO" sz="1000" dirty="0">
-                <a:latin typeface="Work Sans Light" pitchFamily="2" charset="77"/>
-              </a:rPr>
-              <a:t>https://www.canva.com/es_mx/crear/infografias/</a:t>
-            </a:r>
-          </a:p>
-        </p:txBody>
-      </p:sp>
-      <p:sp>
-        <p:nvSpPr>
-          <p:cNvPr id="8" name="TextBox 7">
-            <a:extLst>
-              <a:ext uri="{FF2B5EF4-FFF2-40B4-BE49-F238E27FC236}">
-                <a16:creationId xmlns:a16="http://schemas.microsoft.com/office/drawing/2014/main" id="{E18EC186-3503-F172-8F36-CC2BC7EBE7CA}"/>
-              </a:ext>
-            </a:extLst>
-          </p:cNvPr>
-          <p:cNvSpPr txBox="1"/>
-          <p:nvPr/>
-        </p:nvSpPr>
-        <p:spPr>
-          <a:xfrm>
-            <a:off x="7374164" y="2569207"/>
-            <a:ext cx="3917795" cy="2862322"/>
-          </a:xfrm>
-          <a:prstGeom prst="rect">
-            <a:avLst/>
-          </a:prstGeom>
-          <a:noFill/>
-        </p:spPr>
-        <p:txBody>
-          <a:bodyPr wrap="square">
-            <a:spAutoFit/>
-          </a:bodyPr>
-          <a:lstStyle/>
-          <a:p>
-            <a:r>
-              <a:rPr lang="es-ES" dirty="0">
-                <a:latin typeface="Work Sans Light" pitchFamily="2" charset="77"/>
-              </a:rPr>
-              <a:t>Las mejores herramientas gratuitas para crear infografías son </a:t>
-            </a:r>
-            <a:r>
-              <a:rPr lang="es-ES" dirty="0" err="1">
-                <a:latin typeface="Work Sans Light" pitchFamily="2" charset="77"/>
-              </a:rPr>
-              <a:t>Canva</a:t>
-            </a:r>
-            <a:r>
-              <a:rPr lang="es-ES" dirty="0">
-                <a:latin typeface="Work Sans Light" pitchFamily="2" charset="77"/>
-              </a:rPr>
-              <a:t>, Piktochart, </a:t>
-            </a:r>
-            <a:r>
-              <a:rPr lang="es-ES" dirty="0" err="1">
-                <a:latin typeface="Work Sans Light" pitchFamily="2" charset="77"/>
-              </a:rPr>
-              <a:t>Visme</a:t>
-            </a:r>
-            <a:r>
-              <a:rPr lang="es-ES" dirty="0">
-                <a:latin typeface="Work Sans Light" pitchFamily="2" charset="77"/>
-              </a:rPr>
-              <a:t>, </a:t>
-            </a:r>
-            <a:r>
-              <a:rPr lang="es-ES" dirty="0" err="1">
-                <a:latin typeface="Work Sans Light" pitchFamily="2" charset="77"/>
-              </a:rPr>
-              <a:t>Genially</a:t>
-            </a:r>
-            <a:r>
-              <a:rPr lang="es-ES" dirty="0">
-                <a:latin typeface="Work Sans Light" pitchFamily="2" charset="77"/>
-              </a:rPr>
-              <a:t> y </a:t>
-            </a:r>
-            <a:r>
-              <a:rPr lang="es-ES" dirty="0" err="1">
-                <a:latin typeface="Work Sans Light" pitchFamily="2" charset="77"/>
-              </a:rPr>
-              <a:t>Infogram</a:t>
-            </a:r>
-            <a:r>
-              <a:rPr lang="es-ES" dirty="0">
-                <a:latin typeface="Work Sans Light" pitchFamily="2" charset="77"/>
-              </a:rPr>
-              <a:t>, ya que ofrecen plantillas personalizables, un editor fácil de usar y una amplia gama de recursos gráficos para crear diseños visualmente atractivos sin necesidad de experiencia previa. .</a:t>
-            </a:r>
-            <a:endParaRPr lang="es-CO" dirty="0">
+            <a:pPr algn="just">
+              <a:lnSpc>
+                <a:spcPct val="150000"/>
+              </a:lnSpc>
+            </a:pPr>
+            <a:r>
+              <a:rPr lang="es-ES" sz="1500" dirty="0">
+                <a:latin typeface="Work Sans Light" pitchFamily="2" charset="77"/>
+              </a:rPr>
+              <a:t>Realizar una investigación corta profundizando en las metodologías de desarrollo de software que existen en la industrial y a partir de esta investigación construir una infografía en la que se resuman las principales características, ventajas y desventajas de 3 marcos de trabajo ágiles y tres marcos de trabajo tradicionales.</a:t>
+            </a:r>
+          </a:p>
+          <a:p>
+            <a:pPr algn="just">
+              <a:lnSpc>
+                <a:spcPct val="150000"/>
+              </a:lnSpc>
+            </a:pPr>
+            <a:endParaRPr lang="es-ES" sz="1500" dirty="0">
               <a:latin typeface="Work Sans Light" pitchFamily="2" charset="77"/>
             </a:endParaRPr>
           </a:p>
-        </p:txBody>
-      </p:sp>
-      <p:pic>
-        <p:nvPicPr>
-          <p:cNvPr id="2050" name="Picture 2" descr="Crea infografías gratis con nuestro programa online | Canva">
-            <a:extLst>
-              <a:ext uri="{FF2B5EF4-FFF2-40B4-BE49-F238E27FC236}">
-                <a16:creationId xmlns:a16="http://schemas.microsoft.com/office/drawing/2014/main" id="{7DA6BF2F-97BA-3809-ACA3-FFBAAFFB8190}"/>
-              </a:ext>
-            </a:extLst>
-          </p:cNvPr>
-          <p:cNvPicPr>
-            <a:picLocks noChangeAspect="1" noChangeArrowheads="1"/>
-          </p:cNvPicPr>
-          <p:nvPr/>
-        </p:nvPicPr>
-        <p:blipFill>
-          <a:blip r:embed="rId3">
-            <a:extLst>
-              <a:ext uri="{28A0092B-C50C-407E-A947-70E740481C1C}">
-                <a14:useLocalDpi xmlns:a14="http://schemas.microsoft.com/office/drawing/2010/main" val="0"/>
-              </a:ext>
-            </a:extLst>
-          </a:blip>
-          <a:srcRect/>
-          <a:stretch>
-            <a:fillRect/>
-          </a:stretch>
-        </p:blipFill>
-        <p:spPr bwMode="auto">
-          <a:xfrm>
-            <a:off x="456236" y="2121635"/>
-            <a:ext cx="6412915" cy="3757466"/>
-          </a:xfrm>
-          <a:prstGeom prst="rect">
-            <a:avLst/>
-          </a:prstGeom>
-          <a:noFill/>
-          <a:extLst>
-            <a:ext uri="{909E8E84-426E-40DD-AFC4-6F175D3DCCD1}">
-              <a14:hiddenFill xmlns:a14="http://schemas.microsoft.com/office/drawing/2010/main">
-                <a:solidFill>
-                  <a:srgbClr val="FFFFFF"/>
-                </a:solidFill>
-              </a14:hiddenFill>
-            </a:ext>
-          </a:extLst>
-        </p:spPr>
-      </p:pic>
+          <a:p>
+            <a:pPr algn="just">
+              <a:lnSpc>
+                <a:spcPct val="150000"/>
+              </a:lnSpc>
+            </a:pPr>
+            <a:r>
+              <a:rPr lang="es-ES" sz="1500" b="1" dirty="0">
+                <a:latin typeface="Work Sans Light" pitchFamily="2" charset="77"/>
+              </a:rPr>
+              <a:t>Elementos a tener en cuenta en la infografía: </a:t>
+            </a:r>
+          </a:p>
+          <a:p>
+            <a:pPr marL="285750" indent="-285750" algn="just">
+              <a:lnSpc>
+                <a:spcPct val="150000"/>
+              </a:lnSpc>
+              <a:buFont typeface="Arial" panose="020B0604020202020204" pitchFamily="34" charset="0"/>
+              <a:buChar char="•"/>
+            </a:pPr>
+            <a:r>
+              <a:rPr lang="es-ES" sz="1500" dirty="0">
+                <a:latin typeface="Work Sans Light" pitchFamily="2" charset="77"/>
+              </a:rPr>
+              <a:t>Debe incluir tres marcos de trabajo ágiles y tres marcos de trabajo tradicionales.</a:t>
+            </a:r>
+          </a:p>
+          <a:p>
+            <a:pPr marL="285750" indent="-285750" algn="just">
+              <a:lnSpc>
+                <a:spcPct val="150000"/>
+              </a:lnSpc>
+              <a:buFont typeface="Arial" panose="020B0604020202020204" pitchFamily="34" charset="0"/>
+              <a:buChar char="•"/>
+            </a:pPr>
+            <a:r>
+              <a:rPr lang="es-ES" sz="1500" dirty="0">
+                <a:latin typeface="Work Sans Light" pitchFamily="2" charset="77"/>
+              </a:rPr>
+              <a:t>Debe incluir un marco de trabajo tradicional y un marco de trabajo ágil que no se haya desarrollado durante el componente formativo 6. </a:t>
+            </a:r>
+          </a:p>
+          <a:p>
+            <a:pPr marL="285750" indent="-285750" algn="just">
+              <a:lnSpc>
+                <a:spcPct val="150000"/>
+              </a:lnSpc>
+              <a:buFont typeface="Arial" panose="020B0604020202020204" pitchFamily="34" charset="0"/>
+              <a:buChar char="•"/>
+            </a:pPr>
+            <a:r>
+              <a:rPr lang="es-ES" sz="1500" dirty="0">
+                <a:latin typeface="Work Sans Light" pitchFamily="2" charset="77"/>
+              </a:rPr>
+              <a:t>Utilizar imágenes de construcción propia o que tengan los derechos respectivos de uso.</a:t>
+            </a:r>
+          </a:p>
+          <a:p>
+            <a:pPr marL="285750" indent="-285750" algn="just">
+              <a:lnSpc>
+                <a:spcPct val="150000"/>
+              </a:lnSpc>
+              <a:buFont typeface="Arial" panose="020B0604020202020204" pitchFamily="34" charset="0"/>
+              <a:buChar char="•"/>
+            </a:pPr>
+            <a:endParaRPr lang="es-ES" sz="1500" dirty="0">
+              <a:latin typeface="Work Sans Light" pitchFamily="2" charset="77"/>
+            </a:endParaRPr>
+          </a:p>
+          <a:p>
+            <a:pPr>
+              <a:lnSpc>
+                <a:spcPct val="150000"/>
+              </a:lnSpc>
+            </a:pPr>
+            <a:r>
+              <a:rPr lang="es-ES" sz="1400" b="1" dirty="0">
+                <a:latin typeface="Work Sans Light" pitchFamily="2" charset="77"/>
+              </a:rPr>
+              <a:t>Lineamientos generales para la entrega de la evidencia: </a:t>
+            </a:r>
+          </a:p>
+          <a:p>
+            <a:pPr marL="285750" indent="-285750" algn="just">
+              <a:lnSpc>
+                <a:spcPct val="150000"/>
+              </a:lnSpc>
+              <a:buFont typeface="Arial" panose="020B0604020202020204" pitchFamily="34" charset="0"/>
+              <a:buChar char="•"/>
+            </a:pPr>
+            <a:r>
+              <a:rPr lang="es-ES" sz="1400" b="1" dirty="0">
+                <a:latin typeface="Work Sans Light" pitchFamily="2" charset="77"/>
+              </a:rPr>
+              <a:t>Productos para entregar</a:t>
+            </a:r>
+            <a:r>
+              <a:rPr lang="es-ES" sz="1400" dirty="0">
+                <a:latin typeface="Work Sans Light" pitchFamily="2" charset="77"/>
+              </a:rPr>
+              <a:t>: </a:t>
+            </a:r>
+            <a:r>
+              <a:rPr lang="es-ES" sz="1500" dirty="0">
+                <a:latin typeface="Work Sans Light" pitchFamily="2" charset="77"/>
+              </a:rPr>
+              <a:t>infografía sobre metodologías de desarrollo.</a:t>
+            </a:r>
+          </a:p>
+          <a:p>
+            <a:pPr marL="285750" indent="-285750" algn="just">
+              <a:lnSpc>
+                <a:spcPct val="150000"/>
+              </a:lnSpc>
+              <a:buFont typeface="Arial" panose="020B0604020202020204" pitchFamily="34" charset="0"/>
+              <a:buChar char="•"/>
+            </a:pPr>
+            <a:r>
+              <a:rPr lang="es-ES" sz="1400" b="1" dirty="0">
+                <a:latin typeface="Work Sans Light" pitchFamily="2" charset="77"/>
+              </a:rPr>
+              <a:t>Formato:</a:t>
+            </a:r>
+            <a:r>
+              <a:rPr lang="es-ES" sz="1400" dirty="0">
+                <a:latin typeface="Work Sans Light" pitchFamily="2" charset="77"/>
+              </a:rPr>
+              <a:t> PDF</a:t>
+            </a:r>
+          </a:p>
+          <a:p>
+            <a:pPr marL="285750" indent="-285750" algn="just">
+              <a:lnSpc>
+                <a:spcPct val="150000"/>
+              </a:lnSpc>
+              <a:buFont typeface="Arial" panose="020B0604020202020204" pitchFamily="34" charset="0"/>
+              <a:buChar char="•"/>
+            </a:pPr>
+            <a:r>
+              <a:rPr lang="es-ES" sz="1400" b="1" dirty="0">
+                <a:latin typeface="Work Sans Light" pitchFamily="2" charset="77"/>
+              </a:rPr>
+              <a:t>Para hacer el envío de la evidencia </a:t>
+            </a:r>
+            <a:r>
+              <a:rPr lang="es-ES" sz="1400" dirty="0">
+                <a:latin typeface="Work Sans Light" pitchFamily="2" charset="77"/>
+              </a:rPr>
+              <a:t>remítase al área de la actividad correspondiente y acceda al espacio</a:t>
+            </a:r>
+            <a:r>
+              <a:rPr lang="es-ES" sz="1400" b="1" dirty="0">
+                <a:latin typeface="Work Sans Light" pitchFamily="2" charset="77"/>
+              </a:rPr>
+              <a:t> infografía sobre metodologías de desarrollo de software. GA1-220501093AA1- EV02. </a:t>
+            </a:r>
+          </a:p>
+        </p:txBody>
+      </p:sp>
     </p:spTree>
     <p:extLst>
       <p:ext uri="{BB962C8B-B14F-4D97-AF65-F5344CB8AC3E}">
-        <p14:creationId xmlns:p14="http://schemas.microsoft.com/office/powerpoint/2010/main" val="1900345934"/>
+        <p14:creationId xmlns:p14="http://schemas.microsoft.com/office/powerpoint/2010/main" val="282063465"/>
       </p:ext>
     </p:extLst>
   </p:cSld>
@@ -6028,8 +6287,8 @@
         </p:nvSpPr>
         <p:spPr>
           <a:xfrm>
-            <a:off x="456236" y="226259"/>
-            <a:ext cx="10569573" cy="527874"/>
+            <a:off x="456236" y="416690"/>
+            <a:ext cx="9815809" cy="527874"/>
           </a:xfrm>
           <a:prstGeom prst="rect">
             <a:avLst/>
@@ -6057,38 +6316,47 @@
             </a:lvl1pPr>
           </a:lstStyle>
           <a:p>
-            <a:pPr algn="just">
+            <a:pPr marL="0" marR="0" lvl="0" indent="0" algn="l" defTabSz="914400" rtl="0" eaLnBrk="1" fontAlgn="auto" latinLnBrk="0" hangingPunct="1">
               <a:lnSpc>
-                <a:spcPct val="150000"/>
+                <a:spcPct val="90000"/>
               </a:lnSpc>
+              <a:spcBef>
+                <a:spcPct val="0"/>
+              </a:spcBef>
+              <a:spcAft>
+                <a:spcPts val="0"/>
+              </a:spcAft>
+              <a:buClrTx/>
+              <a:buSzTx/>
+              <a:buFontTx/>
+              <a:buNone/>
+              <a:tabLst/>
+              <a:defRPr/>
             </a:pPr>
             <a:r>
-              <a:rPr lang="es-CO" sz="1800" b="1" dirty="0">
+              <a:rPr lang="es-ES" sz="3600" b="1" dirty="0">
                 <a:solidFill>
-                  <a:schemeClr val="bg1"/>
+                  <a:prstClr val="white"/>
                 </a:solidFill>
-                <a:latin typeface="Work Sans Light" pitchFamily="2" charset="77"/>
-              </a:rPr>
-              <a:t>3. Evidencia de desempeño: </a:t>
-            </a:r>
-            <a:r>
-              <a:rPr lang="es-ES" sz="1800" b="1" dirty="0">
-                <a:solidFill>
-                  <a:schemeClr val="bg1"/>
-                </a:solidFill>
-                <a:latin typeface="Work Sans Light" pitchFamily="2" charset="77"/>
-              </a:rPr>
-              <a:t>GA1-220501093-AA1-EV03 Foro. Especificación de la metodología a aplicar</a:t>
-            </a:r>
-          </a:p>
-        </p:txBody>
-      </p:sp>
-      <p:sp>
-        <p:nvSpPr>
-          <p:cNvPr id="2" name="CuadroTexto 1">
-            <a:extLst>
-              <a:ext uri="{FF2B5EF4-FFF2-40B4-BE49-F238E27FC236}">
-                <a16:creationId xmlns:a16="http://schemas.microsoft.com/office/drawing/2014/main" id="{05C91B34-A9AF-EE63-68C6-548DAAE8E80E}"/>
+                <a:latin typeface="WORK SANS BOLD ROMAN" pitchFamily="2" charset="77"/>
+              </a:rPr>
+              <a:t>Recomendaciones Infografías</a:t>
+            </a:r>
+            <a:endParaRPr lang="es-CO" sz="3600" b="1" dirty="0">
+              <a:solidFill>
+                <a:prstClr val="white"/>
+              </a:solidFill>
+              <a:latin typeface="WORK SANS BOLD ROMAN" pitchFamily="2" charset="77"/>
+            </a:endParaRPr>
+          </a:p>
+        </p:txBody>
+      </p:sp>
+      <p:sp>
+        <p:nvSpPr>
+          <p:cNvPr id="6" name="TextBox 5">
+            <a:extLst>
+              <a:ext uri="{FF2B5EF4-FFF2-40B4-BE49-F238E27FC236}">
+                <a16:creationId xmlns:a16="http://schemas.microsoft.com/office/drawing/2014/main" id="{15D318A7-2619-8498-0187-DF429C639898}"/>
               </a:ext>
             </a:extLst>
           </p:cNvPr>
@@ -6097,8 +6365,8 @@
         </p:nvSpPr>
         <p:spPr>
           <a:xfrm>
-            <a:off x="456236" y="1454770"/>
-            <a:ext cx="11192425" cy="4926733"/>
+            <a:off x="2018716" y="5879101"/>
+            <a:ext cx="3287954" cy="246221"/>
           </a:xfrm>
           <a:prstGeom prst="rect">
             <a:avLst/>
@@ -6111,196 +6379,172 @@
           </a:bodyPr>
           <a:lstStyle/>
           <a:p>
-            <a:pPr algn="just">
-              <a:lnSpc>
-                <a:spcPct val="150000"/>
-              </a:lnSpc>
-            </a:pPr>
-            <a:r>
-              <a:rPr lang="es-ES" sz="1500" dirty="0">
-                <a:latin typeface="Work Sans Light" pitchFamily="2" charset="77"/>
-              </a:rPr>
-              <a:t>Argumentar y debatir sobre la metodología de desarrollo a aplicar en el proyecto por medio del foro dispuesto para este fin.</a:t>
-            </a:r>
-          </a:p>
-          <a:p>
-            <a:pPr algn="just">
-              <a:lnSpc>
-                <a:spcPct val="150000"/>
-              </a:lnSpc>
-            </a:pPr>
-            <a:endParaRPr lang="es-ES" sz="1500" dirty="0">
+            <a:r>
+              <a:rPr lang="es-CO" sz="1000" dirty="0">
+                <a:latin typeface="Work Sans Light" pitchFamily="2" charset="77"/>
+              </a:rPr>
+              <a:t>https://www.canva.com/es_mx/crear/infografias/</a:t>
+            </a:r>
+          </a:p>
+        </p:txBody>
+      </p:sp>
+      <p:sp>
+        <p:nvSpPr>
+          <p:cNvPr id="8" name="TextBox 7">
+            <a:extLst>
+              <a:ext uri="{FF2B5EF4-FFF2-40B4-BE49-F238E27FC236}">
+                <a16:creationId xmlns:a16="http://schemas.microsoft.com/office/drawing/2014/main" id="{E18EC186-3503-F172-8F36-CC2BC7EBE7CA}"/>
+              </a:ext>
+            </a:extLst>
+          </p:cNvPr>
+          <p:cNvSpPr txBox="1"/>
+          <p:nvPr/>
+        </p:nvSpPr>
+        <p:spPr>
+          <a:xfrm>
+            <a:off x="7374164" y="2569207"/>
+            <a:ext cx="3917795" cy="2862322"/>
+          </a:xfrm>
+          <a:prstGeom prst="rect">
+            <a:avLst/>
+          </a:prstGeom>
+          <a:noFill/>
+        </p:spPr>
+        <p:txBody>
+          <a:bodyPr wrap="square">
+            <a:spAutoFit/>
+          </a:bodyPr>
+          <a:lstStyle/>
+          <a:p>
+            <a:r>
+              <a:rPr lang="es-ES" dirty="0">
+                <a:latin typeface="Work Sans Light" pitchFamily="2" charset="77"/>
+              </a:rPr>
+              <a:t>Las mejores herramientas gratuitas para crear infografías son </a:t>
+            </a:r>
+            <a:r>
+              <a:rPr lang="es-ES" b="1" dirty="0" err="1">
+                <a:latin typeface="Work Sans Light" pitchFamily="2" charset="77"/>
+              </a:rPr>
+              <a:t>Canva</a:t>
+            </a:r>
+            <a:r>
+              <a:rPr lang="es-ES" b="1" dirty="0">
+                <a:latin typeface="Work Sans Light" pitchFamily="2" charset="77"/>
+              </a:rPr>
+              <a:t>,</a:t>
+            </a:r>
+            <a:r>
+              <a:rPr lang="es-ES" dirty="0">
+                <a:latin typeface="Work Sans Light" pitchFamily="2" charset="77"/>
+              </a:rPr>
+              <a:t> </a:t>
+            </a:r>
+            <a:r>
+              <a:rPr lang="es-ES" b="1" dirty="0">
+                <a:latin typeface="Work Sans Light" pitchFamily="2" charset="77"/>
+              </a:rPr>
+              <a:t>Piktochart, </a:t>
+            </a:r>
+            <a:r>
+              <a:rPr lang="es-ES" b="1" dirty="0" err="1">
+                <a:latin typeface="Work Sans Light" pitchFamily="2" charset="77"/>
+              </a:rPr>
+              <a:t>Visme</a:t>
+            </a:r>
+            <a:r>
+              <a:rPr lang="es-ES" b="1" dirty="0">
+                <a:latin typeface="Work Sans Light" pitchFamily="2" charset="77"/>
+              </a:rPr>
+              <a:t>, </a:t>
+            </a:r>
+            <a:r>
+              <a:rPr lang="es-ES" b="1" dirty="0" err="1">
+                <a:latin typeface="Work Sans Light" pitchFamily="2" charset="77"/>
+              </a:rPr>
+              <a:t>Genially</a:t>
+            </a:r>
+            <a:r>
+              <a:rPr lang="es-ES" b="1" dirty="0">
+                <a:latin typeface="Work Sans Light" pitchFamily="2" charset="77"/>
+              </a:rPr>
+              <a:t> y </a:t>
+            </a:r>
+            <a:r>
+              <a:rPr lang="es-ES" b="1" dirty="0" err="1">
+                <a:latin typeface="Work Sans Light" pitchFamily="2" charset="77"/>
+              </a:rPr>
+              <a:t>Infogram</a:t>
+            </a:r>
+            <a:r>
+              <a:rPr lang="es-ES" b="1" dirty="0">
+                <a:latin typeface="Work Sans Light" pitchFamily="2" charset="77"/>
+              </a:rPr>
+              <a:t>,</a:t>
+            </a:r>
+            <a:r>
+              <a:rPr lang="es-ES" dirty="0">
+                <a:latin typeface="Work Sans Light" pitchFamily="2" charset="77"/>
+              </a:rPr>
+              <a:t> ya que ofrecen plantillas personalizables, un editor fácil de usar y una amplia gama de recursos gráficos para crear diseños visualmente atractivos sin necesidad de experiencia previa. .</a:t>
+            </a:r>
+            <a:endParaRPr lang="es-CO" dirty="0">
               <a:latin typeface="Work Sans Light" pitchFamily="2" charset="77"/>
             </a:endParaRPr>
           </a:p>
-          <a:p>
-            <a:pPr algn="just">
-              <a:lnSpc>
-                <a:spcPct val="150000"/>
-              </a:lnSpc>
-            </a:pPr>
-            <a:r>
-              <a:rPr lang="es-ES" sz="1500" b="1" dirty="0">
-                <a:latin typeface="Work Sans Light" pitchFamily="2" charset="77"/>
-              </a:rPr>
-              <a:t>Elementos a tener en cuenta: </a:t>
-            </a:r>
-          </a:p>
-          <a:p>
-            <a:pPr marL="285750" indent="-285750" algn="just">
-              <a:lnSpc>
-                <a:spcPct val="150000"/>
-              </a:lnSpc>
-              <a:buFont typeface="Arial" panose="020B0604020202020204" pitchFamily="34" charset="0"/>
-              <a:buChar char="•"/>
-            </a:pPr>
-            <a:r>
-              <a:rPr lang="es-ES" sz="1500" dirty="0">
-                <a:latin typeface="Work Sans Light" pitchFamily="2" charset="77"/>
-              </a:rPr>
-              <a:t>Recuerde que toda participación en el foro debe presentar una argumentación clara, con buena ortografía. </a:t>
-            </a:r>
-          </a:p>
-          <a:p>
-            <a:pPr marL="285750" indent="-285750" algn="just">
-              <a:lnSpc>
-                <a:spcPct val="150000"/>
-              </a:lnSpc>
-              <a:buFont typeface="Arial" panose="020B0604020202020204" pitchFamily="34" charset="0"/>
-              <a:buChar char="•"/>
-            </a:pPr>
-            <a:r>
-              <a:rPr lang="es-ES" sz="1500" dirty="0">
-                <a:latin typeface="Work Sans Light" pitchFamily="2" charset="77"/>
-              </a:rPr>
-              <a:t>Apoyar cada argumentación teniendo en cuenta los siguientes elementos de las metodologías: ○ Origen. ○ Características / Principios. ○ Elementos / Roles / Herramientas de apoyo. ○ Gráfica resumen. </a:t>
-            </a:r>
-          </a:p>
-          <a:p>
-            <a:pPr marL="285750" indent="-285750" algn="just">
-              <a:lnSpc>
-                <a:spcPct val="150000"/>
-              </a:lnSpc>
-              <a:buFont typeface="Arial" panose="020B0604020202020204" pitchFamily="34" charset="0"/>
-              <a:buChar char="•"/>
-            </a:pPr>
-            <a:r>
-              <a:rPr lang="es-ES" sz="1500" dirty="0">
-                <a:latin typeface="Work Sans Light" pitchFamily="2" charset="77"/>
-              </a:rPr>
-              <a:t>Debe comentar las argumentaciones realizadas por otros.</a:t>
-            </a:r>
-          </a:p>
-          <a:p>
-            <a:pPr marL="285750" indent="-285750" algn="just">
-              <a:lnSpc>
-                <a:spcPct val="150000"/>
-              </a:lnSpc>
-              <a:buFont typeface="Arial" panose="020B0604020202020204" pitchFamily="34" charset="0"/>
-              <a:buChar char="•"/>
-            </a:pPr>
-            <a:endParaRPr lang="es-ES" sz="1500" dirty="0">
-              <a:latin typeface="Work Sans Light" pitchFamily="2" charset="77"/>
-            </a:endParaRPr>
-          </a:p>
-          <a:p>
-            <a:pPr>
-              <a:lnSpc>
-                <a:spcPct val="150000"/>
-              </a:lnSpc>
-            </a:pPr>
-            <a:r>
-              <a:rPr lang="es-ES" sz="1400" b="1" dirty="0">
-                <a:latin typeface="Work Sans Light" pitchFamily="2" charset="77"/>
-              </a:rPr>
-              <a:t>Lineamientos generales para la entrega de la evidencia: </a:t>
-            </a:r>
-          </a:p>
-          <a:p>
-            <a:pPr marL="285750" indent="-285750" algn="just">
-              <a:lnSpc>
-                <a:spcPct val="150000"/>
-              </a:lnSpc>
-              <a:buFont typeface="Arial" panose="020B0604020202020204" pitchFamily="34" charset="0"/>
-              <a:buChar char="•"/>
-            </a:pPr>
-            <a:r>
-              <a:rPr lang="es-ES" sz="1400" b="1" dirty="0">
-                <a:latin typeface="Work Sans Light" pitchFamily="2" charset="77"/>
-              </a:rPr>
-              <a:t>Productos para entregar</a:t>
-            </a:r>
-            <a:r>
-              <a:rPr lang="es-ES" sz="1400" dirty="0">
-                <a:latin typeface="Work Sans Light" pitchFamily="2" charset="77"/>
-              </a:rPr>
-              <a:t>: </a:t>
-            </a:r>
-            <a:r>
-              <a:rPr lang="es-CO" sz="1600" dirty="0"/>
-              <a:t>argumentación en el foro</a:t>
-            </a:r>
-            <a:r>
-              <a:rPr lang="es-ES" sz="1500" dirty="0">
-                <a:latin typeface="Work Sans Light" pitchFamily="2" charset="77"/>
-              </a:rPr>
-              <a:t>.</a:t>
-            </a:r>
-          </a:p>
-          <a:p>
-            <a:pPr marL="285750" indent="-285750" algn="just">
-              <a:lnSpc>
-                <a:spcPct val="150000"/>
-              </a:lnSpc>
-              <a:buFont typeface="Arial" panose="020B0604020202020204" pitchFamily="34" charset="0"/>
-              <a:buChar char="•"/>
-            </a:pPr>
-            <a:r>
-              <a:rPr lang="es-ES" sz="1400" b="1" dirty="0">
-                <a:latin typeface="Work Sans Light" pitchFamily="2" charset="77"/>
-              </a:rPr>
-              <a:t>Formato:</a:t>
-            </a:r>
-            <a:r>
-              <a:rPr lang="es-ES" sz="1400" dirty="0">
-                <a:latin typeface="Work Sans Light" pitchFamily="2" charset="77"/>
-              </a:rPr>
-              <a:t> libre</a:t>
-            </a:r>
-          </a:p>
-          <a:p>
-            <a:pPr marL="285750" indent="-285750" algn="just">
-              <a:lnSpc>
-                <a:spcPct val="150000"/>
-              </a:lnSpc>
-              <a:buFont typeface="Arial" panose="020B0604020202020204" pitchFamily="34" charset="0"/>
-              <a:buChar char="•"/>
-            </a:pPr>
-            <a:r>
-              <a:rPr lang="es-ES" sz="1400" b="1" dirty="0">
-                <a:latin typeface="Work Sans Light" pitchFamily="2" charset="77"/>
-              </a:rPr>
-              <a:t>Para hacer el envío de la evidencia </a:t>
-            </a:r>
-            <a:r>
-              <a:rPr lang="es-ES" sz="1400" dirty="0">
-                <a:latin typeface="Work Sans Light" pitchFamily="2" charset="77"/>
-              </a:rPr>
-              <a:t>remítase al área de la actividad correspondiente y acceda al espacio</a:t>
-            </a:r>
-            <a:r>
-              <a:rPr lang="es-ES" sz="1400" b="1" dirty="0">
-                <a:latin typeface="Work Sans Light" pitchFamily="2" charset="77"/>
-              </a:rPr>
-              <a:t> Foro. Especificación de la metodología a aplicar. GA1-220501093-AA1-EV03.. </a:t>
-            </a:r>
-          </a:p>
-        </p:txBody>
-      </p:sp>
+        </p:txBody>
+      </p:sp>
+      <p:pic>
+        <p:nvPicPr>
+          <p:cNvPr id="2050" name="Picture 2" descr="Crea infografías gratis con nuestro programa online | Canva">
+            <a:extLst>
+              <a:ext uri="{FF2B5EF4-FFF2-40B4-BE49-F238E27FC236}">
+                <a16:creationId xmlns:a16="http://schemas.microsoft.com/office/drawing/2014/main" id="{7DA6BF2F-97BA-3809-ACA3-FFBAAFFB8190}"/>
+              </a:ext>
+            </a:extLst>
+          </p:cNvPr>
+          <p:cNvPicPr>
+            <a:picLocks noChangeAspect="1" noChangeArrowheads="1"/>
+          </p:cNvPicPr>
+          <p:nvPr/>
+        </p:nvPicPr>
+        <p:blipFill>
+          <a:blip r:embed="rId3">
+            <a:extLst>
+              <a:ext uri="{28A0092B-C50C-407E-A947-70E740481C1C}">
+                <a14:useLocalDpi xmlns:a14="http://schemas.microsoft.com/office/drawing/2010/main" val="0"/>
+              </a:ext>
+            </a:extLst>
+          </a:blip>
+          <a:srcRect/>
+          <a:stretch>
+            <a:fillRect/>
+          </a:stretch>
+        </p:blipFill>
+        <p:spPr bwMode="auto">
+          <a:xfrm>
+            <a:off x="456236" y="2121635"/>
+            <a:ext cx="6412915" cy="3757466"/>
+          </a:xfrm>
+          <a:prstGeom prst="rect">
+            <a:avLst/>
+          </a:prstGeom>
+          <a:noFill/>
+          <a:extLst>
+            <a:ext uri="{909E8E84-426E-40DD-AFC4-6F175D3DCCD1}">
+              <a14:hiddenFill xmlns:a14="http://schemas.microsoft.com/office/drawing/2010/main">
+                <a:solidFill>
+                  <a:srgbClr val="FFFFFF"/>
+                </a:solidFill>
+              </a14:hiddenFill>
+            </a:ext>
+          </a:extLst>
+        </p:spPr>
+      </p:pic>
     </p:spTree>
     <p:extLst>
       <p:ext uri="{BB962C8B-B14F-4D97-AF65-F5344CB8AC3E}">
-        <p14:creationId xmlns:p14="http://schemas.microsoft.com/office/powerpoint/2010/main" val="969732154"/>
+        <p14:creationId xmlns:p14="http://schemas.microsoft.com/office/powerpoint/2010/main" val="1900345934"/>
       </p:ext>
     </p:extLst>
   </p:cSld>
@@ -6398,7 +6642,7 @@
                 </a:solidFill>
                 <a:latin typeface="Work Sans Light" pitchFamily="2" charset="77"/>
               </a:rPr>
-              <a:t>4. Evidencia de producto: </a:t>
+              <a:t>3. Evidencia de desempeño: </a:t>
             </a:r>
             <a:r>
               <a:rPr lang="es-ES" sz="1800" b="1" dirty="0">
@@ -6407,7 +6651,7 @@
                 </a:solidFill>
                 <a:latin typeface="Work Sans Light" pitchFamily="2" charset="77"/>
               </a:rPr>
-              <a:t>GA1-220501093-AA1-EV04 documento identificando la metodología para el proyecto de desarrollo de software</a:t>
+              <a:t>GA1-220501093-AA1-EV03 Foro. Especificación de la metodología a aplicar</a:t>
             </a:r>
           </a:p>
         </p:txBody>
@@ -6426,8 +6670,8 @@
         </p:nvSpPr>
         <p:spPr>
           <a:xfrm>
-            <a:off x="456236" y="1231750"/>
-            <a:ext cx="11192425" cy="5665397"/>
+            <a:off x="456236" y="1454770"/>
+            <a:ext cx="11192425" cy="4926733"/>
           </a:xfrm>
           <a:prstGeom prst="rect">
             <a:avLst/>
@@ -6449,17 +6693,8 @@
               <a:rPr lang="es-ES" sz="1500" dirty="0">
                 <a:latin typeface="Work Sans Light" pitchFamily="2" charset="77"/>
               </a:rPr>
-              <a:t>Teniendo en cuenta la información recopilada y la idea de proyecto seleccionado realizar un informe donde se describa y justifique la metodología de desarrollo de software a </a:t>
-            </a:r>
-            <a:r>
-              <a:rPr lang="es-ES" sz="1500">
-                <a:latin typeface="Work Sans Light" pitchFamily="2" charset="77"/>
-              </a:rPr>
-              <a:t>utilizar.</a:t>
-            </a:r>
-            <a:endParaRPr lang="es-ES" sz="1500" dirty="0">
-              <a:latin typeface="Work Sans Light" pitchFamily="2" charset="77"/>
-            </a:endParaRPr>
+              <a:t>Argumentar y debatir sobre la metodología de desarrollo a aplicar en el proyecto por medio del foro dispuesto para este fin.</a:t>
+            </a:r>
           </a:p>
           <a:p>
             <a:pPr algn="just">
@@ -6496,7 +6731,7 @@
               <a:rPr lang="es-ES" sz="1500" dirty="0">
                 <a:latin typeface="Work Sans Light" pitchFamily="2" charset="77"/>
               </a:rPr>
-              <a:t>Se deben seguir las normas básicas de presentación de un documento escrito, es decir el documento debe tener como mínimo una portada, introducción, desarrollo y bibliografía. </a:t>
+              <a:t>Recuerde que toda participación en el foro debe presentar una argumentación clara, con buena ortografía. </a:t>
             </a:r>
           </a:p>
           <a:p>
@@ -6511,7 +6746,7 @@
               <a:rPr lang="es-ES" sz="1500" dirty="0">
                 <a:latin typeface="Work Sans Light" pitchFamily="2" charset="77"/>
               </a:rPr>
-              <a:t>El informe debe evidenciar una justificación clara de la selección de la metodología respecto al proyecto a desarrollar. </a:t>
+              <a:t>Apoyar cada argumentación teniendo en cuenta los siguientes elementos de las metodologías: ○ Origen. ○ Características / Principios. ○ Elementos / Roles / Herramientas de apoyo. ○ Gráfica resumen. </a:t>
             </a:r>
           </a:p>
           <a:p>
@@ -6526,22 +6761,7 @@
               <a:rPr lang="es-ES" sz="1500" dirty="0">
                 <a:latin typeface="Work Sans Light" pitchFamily="2" charset="77"/>
               </a:rPr>
-              <a:t>Debe incluir una descripción del contexto y características del proyecto.</a:t>
-            </a:r>
-          </a:p>
-          <a:p>
-            <a:pPr marL="285750" indent="-285750" algn="just">
-              <a:lnSpc>
-                <a:spcPct val="150000"/>
-              </a:lnSpc>
-              <a:buFont typeface="Arial" panose="020B0604020202020204" pitchFamily="34" charset="0"/>
-              <a:buChar char="•"/>
-            </a:pPr>
-            <a:r>
-              <a:rPr lang="es-ES" sz="1500" dirty="0">
-                <a:latin typeface="Work Sans Light" pitchFamily="2" charset="77"/>
-              </a:rPr>
-              <a:t>El informe debe evidenciar el uso de filtros tales como tamaño del proyecto, periodicidad de realimentación con el cliente, estado de la tecnología, etc.</a:t>
+              <a:t>Debe comentar las argumentaciones realizadas por otros.</a:t>
             </a:r>
           </a:p>
           <a:p>
@@ -6590,10 +6810,8 @@
               <a:t>: </a:t>
             </a:r>
             <a:r>
-              <a:rPr lang="es-CO" sz="1500" dirty="0">
-                <a:latin typeface="Work Sans Light" pitchFamily="2" charset="77"/>
-              </a:rPr>
-              <a:t>informe</a:t>
+              <a:rPr lang="es-CO" sz="1600" dirty="0"/>
+              <a:t>argumentación en el foro</a:t>
             </a:r>
             <a:r>
               <a:rPr lang="es-ES" sz="1500" dirty="0">
@@ -6620,7 +6838,7 @@
               <a:rPr lang="es-ES" sz="1400" dirty="0">
                 <a:latin typeface="Work Sans Light" pitchFamily="2" charset="77"/>
               </a:rPr>
-              <a:t> PDF</a:t>
+              <a:t> libre</a:t>
             </a:r>
           </a:p>
           <a:p>
@@ -6647,7 +6865,7 @@
               <a:rPr lang="es-ES" sz="1400" b="1" dirty="0">
                 <a:latin typeface="Work Sans Light" pitchFamily="2" charset="77"/>
               </a:rPr>
-              <a:t> documento identificando la metodología para el proyecto de desarrollo de software. GA1-220501093-AA1-EV04. </a:t>
+              <a:t> Foro. Especificación de la metodología a aplicar. GA1-220501093-AA1-EV03.</a:t>
             </a:r>
           </a:p>
         </p:txBody>
@@ -6655,7 +6873,7 @@
     </p:spTree>
     <p:extLst>
       <p:ext uri="{BB962C8B-B14F-4D97-AF65-F5344CB8AC3E}">
-        <p14:creationId xmlns:p14="http://schemas.microsoft.com/office/powerpoint/2010/main" val="1957782674"/>
+        <p14:creationId xmlns:p14="http://schemas.microsoft.com/office/powerpoint/2010/main" val="969732154"/>
       </p:ext>
     </p:extLst>
   </p:cSld>
